--- a/Презентация.pptx
+++ b/Презентация.pptx
@@ -108,6 +108,11 @@
       </a:defRPr>
     </a:lvl9pPr>
   </p:defaultTextStyle>
+  <p:extLst>
+    <p:ext uri="{EFAFB233-063F-42B5-8137-9DF3F51BA10A}">
+      <p15:sldGuideLst xmlns:p15="http://schemas.microsoft.com/office/powerpoint/2012/main"/>
+    </p:ext>
+  </p:extLst>
 </p:presentation>
 </file>
 
@@ -282,7 +287,7 @@
           <a:p>
             <a:fld id="{FCE43B57-F787-475F-AC85-9B94EF6BBA0F}" type="datetimeFigureOut">
               <a:rPr lang="ru-RU" smtClean="0"/>
-              <a:t>12.01.2024</a:t>
+              <a:t>18.01.2024</a:t>
             </a:fld>
             <a:endParaRPr lang="ru-RU"/>
           </a:p>
@@ -597,7 +602,7 @@
           <a:p>
             <a:fld id="{FCE43B57-F787-475F-AC85-9B94EF6BBA0F}" type="datetimeFigureOut">
               <a:rPr lang="ru-RU" smtClean="0"/>
-              <a:t>12.01.2024</a:t>
+              <a:t>18.01.2024</a:t>
             </a:fld>
             <a:endParaRPr lang="ru-RU"/>
           </a:p>
@@ -819,7 +824,7 @@
           <a:p>
             <a:fld id="{FCE43B57-F787-475F-AC85-9B94EF6BBA0F}" type="datetimeFigureOut">
               <a:rPr lang="ru-RU" smtClean="0"/>
-              <a:t>12.01.2024</a:t>
+              <a:t>18.01.2024</a:t>
             </a:fld>
             <a:endParaRPr lang="ru-RU"/>
           </a:p>
@@ -1110,7 +1115,7 @@
           <a:p>
             <a:fld id="{FCE43B57-F787-475F-AC85-9B94EF6BBA0F}" type="datetimeFigureOut">
               <a:rPr lang="ru-RU" smtClean="0"/>
-              <a:t>12.01.2024</a:t>
+              <a:t>18.01.2024</a:t>
             </a:fld>
             <a:endParaRPr lang="ru-RU"/>
           </a:p>
@@ -1564,7 +1569,7 @@
           <a:p>
             <a:fld id="{FCE43B57-F787-475F-AC85-9B94EF6BBA0F}" type="datetimeFigureOut">
               <a:rPr lang="ru-RU" smtClean="0"/>
-              <a:t>12.01.2024</a:t>
+              <a:t>18.01.2024</a:t>
             </a:fld>
             <a:endParaRPr lang="ru-RU"/>
           </a:p>
@@ -2140,7 +2145,7 @@
           <a:p>
             <a:fld id="{FCE43B57-F787-475F-AC85-9B94EF6BBA0F}" type="datetimeFigureOut">
               <a:rPr lang="ru-RU" smtClean="0"/>
-              <a:t>12.01.2024</a:t>
+              <a:t>18.01.2024</a:t>
             </a:fld>
             <a:endParaRPr lang="ru-RU"/>
           </a:p>
@@ -3001,7 +3006,7 @@
           <a:p>
             <a:fld id="{FCE43B57-F787-475F-AC85-9B94EF6BBA0F}" type="datetimeFigureOut">
               <a:rPr lang="ru-RU" smtClean="0"/>
-              <a:t>12.01.2024</a:t>
+              <a:t>18.01.2024</a:t>
             </a:fld>
             <a:endParaRPr lang="ru-RU"/>
           </a:p>
@@ -3206,7 +3211,7 @@
           <a:p>
             <a:fld id="{FCE43B57-F787-475F-AC85-9B94EF6BBA0F}" type="datetimeFigureOut">
               <a:rPr lang="ru-RU" smtClean="0"/>
-              <a:t>12.01.2024</a:t>
+              <a:t>18.01.2024</a:t>
             </a:fld>
             <a:endParaRPr lang="ru-RU"/>
           </a:p>
@@ -3420,7 +3425,7 @@
           <a:p>
             <a:fld id="{FCE43B57-F787-475F-AC85-9B94EF6BBA0F}" type="datetimeFigureOut">
               <a:rPr lang="ru-RU" smtClean="0"/>
-              <a:t>12.01.2024</a:t>
+              <a:t>18.01.2024</a:t>
             </a:fld>
             <a:endParaRPr lang="ru-RU"/>
           </a:p>
@@ -3625,7 +3630,7 @@
           <a:p>
             <a:fld id="{FCE43B57-F787-475F-AC85-9B94EF6BBA0F}" type="datetimeFigureOut">
               <a:rPr lang="ru-RU" smtClean="0"/>
-              <a:t>12.01.2024</a:t>
+              <a:t>18.01.2024</a:t>
             </a:fld>
             <a:endParaRPr lang="ru-RU"/>
           </a:p>
@@ -3905,7 +3910,7 @@
           <a:p>
             <a:fld id="{FCE43B57-F787-475F-AC85-9B94EF6BBA0F}" type="datetimeFigureOut">
               <a:rPr lang="ru-RU" smtClean="0"/>
-              <a:t>12.01.2024</a:t>
+              <a:t>18.01.2024</a:t>
             </a:fld>
             <a:endParaRPr lang="ru-RU"/>
           </a:p>
@@ -4172,7 +4177,7 @@
           <a:p>
             <a:fld id="{FCE43B57-F787-475F-AC85-9B94EF6BBA0F}" type="datetimeFigureOut">
               <a:rPr lang="ru-RU" smtClean="0"/>
-              <a:t>12.01.2024</a:t>
+              <a:t>18.01.2024</a:t>
             </a:fld>
             <a:endParaRPr lang="ru-RU"/>
           </a:p>
@@ -4587,7 +4592,7 @@
           <a:p>
             <a:fld id="{FCE43B57-F787-475F-AC85-9B94EF6BBA0F}" type="datetimeFigureOut">
               <a:rPr lang="ru-RU" smtClean="0"/>
-              <a:t>12.01.2024</a:t>
+              <a:t>18.01.2024</a:t>
             </a:fld>
             <a:endParaRPr lang="ru-RU"/>
           </a:p>
@@ -4735,7 +4740,7 @@
           <a:p>
             <a:fld id="{FCE43B57-F787-475F-AC85-9B94EF6BBA0F}" type="datetimeFigureOut">
               <a:rPr lang="ru-RU" smtClean="0"/>
-              <a:t>12.01.2024</a:t>
+              <a:t>18.01.2024</a:t>
             </a:fld>
             <a:endParaRPr lang="ru-RU"/>
           </a:p>
@@ -4860,7 +4865,7 @@
           <a:p>
             <a:fld id="{FCE43B57-F787-475F-AC85-9B94EF6BBA0F}" type="datetimeFigureOut">
               <a:rPr lang="ru-RU" smtClean="0"/>
-              <a:t>12.01.2024</a:t>
+              <a:t>18.01.2024</a:t>
             </a:fld>
             <a:endParaRPr lang="ru-RU"/>
           </a:p>
@@ -5139,7 +5144,7 @@
           <a:p>
             <a:fld id="{FCE43B57-F787-475F-AC85-9B94EF6BBA0F}" type="datetimeFigureOut">
               <a:rPr lang="ru-RU" smtClean="0"/>
-              <a:t>12.01.2024</a:t>
+              <a:t>18.01.2024</a:t>
             </a:fld>
             <a:endParaRPr lang="ru-RU"/>
           </a:p>
@@ -5454,7 +5459,7 @@
           <a:p>
             <a:fld id="{FCE43B57-F787-475F-AC85-9B94EF6BBA0F}" type="datetimeFigureOut">
               <a:rPr lang="ru-RU" smtClean="0"/>
-              <a:t>12.01.2024</a:t>
+              <a:t>18.01.2024</a:t>
             </a:fld>
             <a:endParaRPr lang="ru-RU"/>
           </a:p>
@@ -5707,7 +5712,7 @@
           <a:p>
             <a:fld id="{FCE43B57-F787-475F-AC85-9B94EF6BBA0F}" type="datetimeFigureOut">
               <a:rPr lang="ru-RU" smtClean="0"/>
-              <a:t>12.01.2024</a:t>
+              <a:t>18.01.2024</a:t>
             </a:fld>
             <a:endParaRPr lang="ru-RU"/>
           </a:p>
@@ -6291,6 +6296,18 @@
   <p:clrMapOvr>
     <a:masterClrMapping/>
   </p:clrMapOvr>
+  <mc:AlternateContent xmlns:mc="http://schemas.openxmlformats.org/markup-compatibility/2006">
+    <mc:Choice xmlns:p15="http://schemas.microsoft.com/office/powerpoint/2012/main" Requires="p15">
+      <p:transition xmlns:p14="http://schemas.microsoft.com/office/powerpoint/2010/main" spd="slow" p14:dur="6000">
+        <p15:prstTrans prst="curtains"/>
+      </p:transition>
+    </mc:Choice>
+    <mc:Fallback>
+      <p:transition spd="slow">
+        <p:fade/>
+      </p:transition>
+    </mc:Fallback>
+  </mc:AlternateContent>
 </p:sld>
 </file>
 
@@ -6485,6 +6502,250 @@
   <p:clrMapOvr>
     <a:masterClrMapping/>
   </p:clrMapOvr>
+  <p:timing>
+    <p:tnLst>
+      <p:par>
+        <p:cTn id="1" dur="indefinite" restart="never" nodeType="tmRoot">
+          <p:childTnLst>
+            <p:seq concurrent="1" nextAc="seek">
+              <p:cTn id="2" dur="indefinite" nodeType="mainSeq">
+                <p:childTnLst>
+                  <p:par>
+                    <p:cTn id="3" fill="hold">
+                      <p:stCondLst>
+                        <p:cond delay="indefinite"/>
+                        <p:cond evt="onBegin" delay="0">
+                          <p:tn val="2"/>
+                        </p:cond>
+                      </p:stCondLst>
+                      <p:childTnLst>
+                        <p:par>
+                          <p:cTn id="4" fill="hold">
+                            <p:stCondLst>
+                              <p:cond delay="0"/>
+                            </p:stCondLst>
+                            <p:childTnLst>
+                              <p:par>
+                                <p:cTn id="5" presetID="45" presetClass="entr" presetSubtype="0" fill="hold" nodeType="withEffect">
+                                  <p:stCondLst>
+                                    <p:cond delay="0"/>
+                                  </p:stCondLst>
+                                  <p:childTnLst>
+                                    <p:set>
+                                      <p:cBhvr>
+                                        <p:cTn id="6" dur="1" fill="hold">
+                                          <p:stCondLst>
+                                            <p:cond delay="0"/>
+                                          </p:stCondLst>
+                                        </p:cTn>
+                                        <p:tgtEl>
+                                          <p:spTgt spid="7"/>
+                                        </p:tgtEl>
+                                        <p:attrNameLst>
+                                          <p:attrName>style.visibility</p:attrName>
+                                        </p:attrNameLst>
+                                      </p:cBhvr>
+                                      <p:to>
+                                        <p:strVal val="visible"/>
+                                      </p:to>
+                                    </p:set>
+                                    <p:animEffect transition="in" filter="fade">
+                                      <p:cBhvr>
+                                        <p:cTn id="7" dur="2000"/>
+                                        <p:tgtEl>
+                                          <p:spTgt spid="7"/>
+                                        </p:tgtEl>
+                                      </p:cBhvr>
+                                    </p:animEffect>
+                                    <p:anim calcmode="lin" valueType="num">
+                                      <p:cBhvr>
+                                        <p:cTn id="8" dur="2000" fill="hold"/>
+                                        <p:tgtEl>
+                                          <p:spTgt spid="7"/>
+                                        </p:tgtEl>
+                                        <p:attrNameLst>
+                                          <p:attrName>ppt_w</p:attrName>
+                                        </p:attrNameLst>
+                                      </p:cBhvr>
+                                      <p:tavLst>
+                                        <p:tav tm="0" fmla="#ppt_w*sin(2.5*pi*$)">
+                                          <p:val>
+                                            <p:fltVal val="0"/>
+                                          </p:val>
+                                        </p:tav>
+                                        <p:tav tm="100000">
+                                          <p:val>
+                                            <p:fltVal val="1"/>
+                                          </p:val>
+                                        </p:tav>
+                                      </p:tavLst>
+                                    </p:anim>
+                                    <p:anim calcmode="lin" valueType="num">
+                                      <p:cBhvr>
+                                        <p:cTn id="9" dur="2000" fill="hold"/>
+                                        <p:tgtEl>
+                                          <p:spTgt spid="7"/>
+                                        </p:tgtEl>
+                                        <p:attrNameLst>
+                                          <p:attrName>ppt_h</p:attrName>
+                                        </p:attrNameLst>
+                                      </p:cBhvr>
+                                      <p:tavLst>
+                                        <p:tav tm="0">
+                                          <p:val>
+                                            <p:strVal val="#ppt_h"/>
+                                          </p:val>
+                                        </p:tav>
+                                        <p:tav tm="100000">
+                                          <p:val>
+                                            <p:strVal val="#ppt_h"/>
+                                          </p:val>
+                                        </p:tav>
+                                      </p:tavLst>
+                                    </p:anim>
+                                  </p:childTnLst>
+                                </p:cTn>
+                              </p:par>
+                              <p:par>
+                                <p:cTn id="10" presetID="10" presetClass="entr" presetSubtype="0" fill="hold" grpId="0" nodeType="withEffect">
+                                  <p:stCondLst>
+                                    <p:cond delay="0"/>
+                                  </p:stCondLst>
+                                  <p:childTnLst>
+                                    <p:set>
+                                      <p:cBhvr>
+                                        <p:cTn id="11" dur="1" fill="hold">
+                                          <p:stCondLst>
+                                            <p:cond delay="0"/>
+                                          </p:stCondLst>
+                                        </p:cTn>
+                                        <p:tgtEl>
+                                          <p:spTgt spid="4"/>
+                                        </p:tgtEl>
+                                        <p:attrNameLst>
+                                          <p:attrName>style.visibility</p:attrName>
+                                        </p:attrNameLst>
+                                      </p:cBhvr>
+                                      <p:to>
+                                        <p:strVal val="visible"/>
+                                      </p:to>
+                                    </p:set>
+                                    <p:animEffect transition="in" filter="fade">
+                                      <p:cBhvr>
+                                        <p:cTn id="12" dur="500"/>
+                                        <p:tgtEl>
+                                          <p:spTgt spid="4"/>
+                                        </p:tgtEl>
+                                      </p:cBhvr>
+                                    </p:animEffect>
+                                  </p:childTnLst>
+                                </p:cTn>
+                              </p:par>
+                              <p:par>
+                                <p:cTn id="13" presetID="2" presetClass="entr" presetSubtype="4" fill="hold" grpId="0" nodeType="withEffect">
+                                  <p:stCondLst>
+                                    <p:cond delay="0"/>
+                                  </p:stCondLst>
+                                  <p:childTnLst>
+                                    <p:set>
+                                      <p:cBhvr>
+                                        <p:cTn id="14" dur="1" fill="hold">
+                                          <p:stCondLst>
+                                            <p:cond delay="0"/>
+                                          </p:stCondLst>
+                                        </p:cTn>
+                                        <p:tgtEl>
+                                          <p:spTgt spid="5"/>
+                                        </p:tgtEl>
+                                        <p:attrNameLst>
+                                          <p:attrName>style.visibility</p:attrName>
+                                        </p:attrNameLst>
+                                      </p:cBhvr>
+                                      <p:to>
+                                        <p:strVal val="visible"/>
+                                      </p:to>
+                                    </p:set>
+                                    <p:anim calcmode="lin" valueType="num">
+                                      <p:cBhvr additive="base">
+                                        <p:cTn id="15" dur="500" fill="hold"/>
+                                        <p:tgtEl>
+                                          <p:spTgt spid="5"/>
+                                        </p:tgtEl>
+                                        <p:attrNameLst>
+                                          <p:attrName>ppt_x</p:attrName>
+                                        </p:attrNameLst>
+                                      </p:cBhvr>
+                                      <p:tavLst>
+                                        <p:tav tm="0">
+                                          <p:val>
+                                            <p:strVal val="#ppt_x"/>
+                                          </p:val>
+                                        </p:tav>
+                                        <p:tav tm="100000">
+                                          <p:val>
+                                            <p:strVal val="#ppt_x"/>
+                                          </p:val>
+                                        </p:tav>
+                                      </p:tavLst>
+                                    </p:anim>
+                                    <p:anim calcmode="lin" valueType="num">
+                                      <p:cBhvr additive="base">
+                                        <p:cTn id="16" dur="500" fill="hold"/>
+                                        <p:tgtEl>
+                                          <p:spTgt spid="5"/>
+                                        </p:tgtEl>
+                                        <p:attrNameLst>
+                                          <p:attrName>ppt_y</p:attrName>
+                                        </p:attrNameLst>
+                                      </p:cBhvr>
+                                      <p:tavLst>
+                                        <p:tav tm="0">
+                                          <p:val>
+                                            <p:strVal val="1+#ppt_h/2"/>
+                                          </p:val>
+                                        </p:tav>
+                                        <p:tav tm="100000">
+                                          <p:val>
+                                            <p:strVal val="#ppt_y"/>
+                                          </p:val>
+                                        </p:tav>
+                                      </p:tavLst>
+                                    </p:anim>
+                                  </p:childTnLst>
+                                </p:cTn>
+                              </p:par>
+                            </p:childTnLst>
+                          </p:cTn>
+                        </p:par>
+                      </p:childTnLst>
+                    </p:cTn>
+                  </p:par>
+                </p:childTnLst>
+              </p:cTn>
+              <p:prevCondLst>
+                <p:cond evt="onPrev" delay="0">
+                  <p:tgtEl>
+                    <p:sldTgt/>
+                  </p:tgtEl>
+                </p:cond>
+              </p:prevCondLst>
+              <p:nextCondLst>
+                <p:cond evt="onNext" delay="0">
+                  <p:tgtEl>
+                    <p:sldTgt/>
+                  </p:tgtEl>
+                </p:cond>
+              </p:nextCondLst>
+            </p:seq>
+          </p:childTnLst>
+        </p:cTn>
+      </p:par>
+    </p:tnLst>
+    <p:bldLst>
+      <p:bldP spid="4" grpId="0"/>
+      <p:bldP spid="5" grpId="0"/>
+    </p:bldLst>
+  </p:timing>
 </p:sld>
 </file>
 
@@ -6635,6 +6896,300 @@
   <p:clrMapOvr>
     <a:masterClrMapping/>
   </p:clrMapOvr>
+  <p:timing>
+    <p:tnLst>
+      <p:par>
+        <p:cTn id="1" dur="indefinite" restart="never" nodeType="tmRoot">
+          <p:childTnLst>
+            <p:seq concurrent="1" nextAc="seek">
+              <p:cTn id="2" dur="indefinite" nodeType="mainSeq">
+                <p:childTnLst>
+                  <p:par>
+                    <p:cTn id="3" fill="hold">
+                      <p:stCondLst>
+                        <p:cond delay="indefinite"/>
+                        <p:cond evt="onBegin" delay="0">
+                          <p:tn val="2"/>
+                        </p:cond>
+                      </p:stCondLst>
+                      <p:childTnLst>
+                        <p:par>
+                          <p:cTn id="4" fill="hold">
+                            <p:stCondLst>
+                              <p:cond delay="0"/>
+                            </p:stCondLst>
+                            <p:childTnLst>
+                              <p:par>
+                                <p:cTn id="5" presetID="2" presetClass="entr" presetSubtype="6" fill="hold" nodeType="withEffect">
+                                  <p:stCondLst>
+                                    <p:cond delay="0"/>
+                                  </p:stCondLst>
+                                  <p:childTnLst>
+                                    <p:set>
+                                      <p:cBhvr>
+                                        <p:cTn id="6" dur="1" fill="hold">
+                                          <p:stCondLst>
+                                            <p:cond delay="0"/>
+                                          </p:stCondLst>
+                                        </p:cTn>
+                                        <p:tgtEl>
+                                          <p:spTgt spid="14"/>
+                                        </p:tgtEl>
+                                        <p:attrNameLst>
+                                          <p:attrName>style.visibility</p:attrName>
+                                        </p:attrNameLst>
+                                      </p:cBhvr>
+                                      <p:to>
+                                        <p:strVal val="visible"/>
+                                      </p:to>
+                                    </p:set>
+                                    <p:anim calcmode="lin" valueType="num">
+                                      <p:cBhvr additive="base">
+                                        <p:cTn id="7" dur="500" fill="hold"/>
+                                        <p:tgtEl>
+                                          <p:spTgt spid="14"/>
+                                        </p:tgtEl>
+                                        <p:attrNameLst>
+                                          <p:attrName>ppt_x</p:attrName>
+                                        </p:attrNameLst>
+                                      </p:cBhvr>
+                                      <p:tavLst>
+                                        <p:tav tm="0">
+                                          <p:val>
+                                            <p:strVal val="1+#ppt_w/2"/>
+                                          </p:val>
+                                        </p:tav>
+                                        <p:tav tm="100000">
+                                          <p:val>
+                                            <p:strVal val="#ppt_x"/>
+                                          </p:val>
+                                        </p:tav>
+                                      </p:tavLst>
+                                    </p:anim>
+                                    <p:anim calcmode="lin" valueType="num">
+                                      <p:cBhvr additive="base">
+                                        <p:cTn id="8" dur="500" fill="hold"/>
+                                        <p:tgtEl>
+                                          <p:spTgt spid="14"/>
+                                        </p:tgtEl>
+                                        <p:attrNameLst>
+                                          <p:attrName>ppt_y</p:attrName>
+                                        </p:attrNameLst>
+                                      </p:cBhvr>
+                                      <p:tavLst>
+                                        <p:tav tm="0">
+                                          <p:val>
+                                            <p:strVal val="1+#ppt_h/2"/>
+                                          </p:val>
+                                        </p:tav>
+                                        <p:tav tm="100000">
+                                          <p:val>
+                                            <p:strVal val="#ppt_y"/>
+                                          </p:val>
+                                        </p:tav>
+                                      </p:tavLst>
+                                    </p:anim>
+                                  </p:childTnLst>
+                                </p:cTn>
+                              </p:par>
+                              <p:par>
+                                <p:cTn id="9" presetID="2" presetClass="entr" presetSubtype="9" fill="hold" grpId="0" nodeType="withEffect">
+                                  <p:stCondLst>
+                                    <p:cond delay="0"/>
+                                  </p:stCondLst>
+                                  <p:childTnLst>
+                                    <p:set>
+                                      <p:cBhvr>
+                                        <p:cTn id="10" dur="1" fill="hold">
+                                          <p:stCondLst>
+                                            <p:cond delay="0"/>
+                                          </p:stCondLst>
+                                        </p:cTn>
+                                        <p:tgtEl>
+                                          <p:spTgt spid="3">
+                                            <p:txEl>
+                                              <p:pRg st="0" end="0"/>
+                                            </p:txEl>
+                                          </p:spTgt>
+                                        </p:tgtEl>
+                                        <p:attrNameLst>
+                                          <p:attrName>style.visibility</p:attrName>
+                                        </p:attrNameLst>
+                                      </p:cBhvr>
+                                      <p:to>
+                                        <p:strVal val="visible"/>
+                                      </p:to>
+                                    </p:set>
+                                    <p:anim calcmode="lin" valueType="num">
+                                      <p:cBhvr additive="base">
+                                        <p:cTn id="11" dur="500" fill="hold"/>
+                                        <p:tgtEl>
+                                          <p:spTgt spid="3">
+                                            <p:txEl>
+                                              <p:pRg st="0" end="0"/>
+                                            </p:txEl>
+                                          </p:spTgt>
+                                        </p:tgtEl>
+                                        <p:attrNameLst>
+                                          <p:attrName>ppt_x</p:attrName>
+                                        </p:attrNameLst>
+                                      </p:cBhvr>
+                                      <p:tavLst>
+                                        <p:tav tm="0">
+                                          <p:val>
+                                            <p:strVal val="0-#ppt_w/2"/>
+                                          </p:val>
+                                        </p:tav>
+                                        <p:tav tm="100000">
+                                          <p:val>
+                                            <p:strVal val="#ppt_x"/>
+                                          </p:val>
+                                        </p:tav>
+                                      </p:tavLst>
+                                    </p:anim>
+                                    <p:anim calcmode="lin" valueType="num">
+                                      <p:cBhvr additive="base">
+                                        <p:cTn id="12" dur="500" fill="hold"/>
+                                        <p:tgtEl>
+                                          <p:spTgt spid="3">
+                                            <p:txEl>
+                                              <p:pRg st="0" end="0"/>
+                                            </p:txEl>
+                                          </p:spTgt>
+                                        </p:tgtEl>
+                                        <p:attrNameLst>
+                                          <p:attrName>ppt_y</p:attrName>
+                                        </p:attrNameLst>
+                                      </p:cBhvr>
+                                      <p:tavLst>
+                                        <p:tav tm="0">
+                                          <p:val>
+                                            <p:strVal val="0-#ppt_h/2"/>
+                                          </p:val>
+                                        </p:tav>
+                                        <p:tav tm="100000">
+                                          <p:val>
+                                            <p:strVal val="#ppt_y"/>
+                                          </p:val>
+                                        </p:tav>
+                                      </p:tavLst>
+                                    </p:anim>
+                                  </p:childTnLst>
+                                </p:cTn>
+                              </p:par>
+                              <p:par>
+                                <p:cTn id="13" presetID="53" presetClass="entr" presetSubtype="16" fill="hold" grpId="0" nodeType="withEffect">
+                                  <p:stCondLst>
+                                    <p:cond delay="0"/>
+                                  </p:stCondLst>
+                                  <p:childTnLst>
+                                    <p:set>
+                                      <p:cBhvr>
+                                        <p:cTn id="14" dur="1" fill="hold">
+                                          <p:stCondLst>
+                                            <p:cond delay="0"/>
+                                          </p:stCondLst>
+                                        </p:cTn>
+                                        <p:tgtEl>
+                                          <p:spTgt spid="8"/>
+                                        </p:tgtEl>
+                                        <p:attrNameLst>
+                                          <p:attrName>style.visibility</p:attrName>
+                                        </p:attrNameLst>
+                                      </p:cBhvr>
+                                      <p:to>
+                                        <p:strVal val="visible"/>
+                                      </p:to>
+                                    </p:set>
+                                    <p:anim calcmode="lin" valueType="num">
+                                      <p:cBhvr>
+                                        <p:cTn id="15" dur="500" fill="hold"/>
+                                        <p:tgtEl>
+                                          <p:spTgt spid="8"/>
+                                        </p:tgtEl>
+                                        <p:attrNameLst>
+                                          <p:attrName>ppt_w</p:attrName>
+                                        </p:attrNameLst>
+                                      </p:cBhvr>
+                                      <p:tavLst>
+                                        <p:tav tm="0">
+                                          <p:val>
+                                            <p:fltVal val="0"/>
+                                          </p:val>
+                                        </p:tav>
+                                        <p:tav tm="100000">
+                                          <p:val>
+                                            <p:strVal val="#ppt_w"/>
+                                          </p:val>
+                                        </p:tav>
+                                      </p:tavLst>
+                                    </p:anim>
+                                    <p:anim calcmode="lin" valueType="num">
+                                      <p:cBhvr>
+                                        <p:cTn id="16" dur="500" fill="hold"/>
+                                        <p:tgtEl>
+                                          <p:spTgt spid="8"/>
+                                        </p:tgtEl>
+                                        <p:attrNameLst>
+                                          <p:attrName>ppt_h</p:attrName>
+                                        </p:attrNameLst>
+                                      </p:cBhvr>
+                                      <p:tavLst>
+                                        <p:tav tm="0">
+                                          <p:val>
+                                            <p:fltVal val="0"/>
+                                          </p:val>
+                                        </p:tav>
+                                        <p:tav tm="100000">
+                                          <p:val>
+                                            <p:strVal val="#ppt_h"/>
+                                          </p:val>
+                                        </p:tav>
+                                      </p:tavLst>
+                                    </p:anim>
+                                    <p:animEffect transition="in" filter="fade">
+                                      <p:cBhvr>
+                                        <p:cTn id="17" dur="500"/>
+                                        <p:tgtEl>
+                                          <p:spTgt spid="8"/>
+                                        </p:tgtEl>
+                                      </p:cBhvr>
+                                    </p:animEffect>
+                                  </p:childTnLst>
+                                </p:cTn>
+                              </p:par>
+                            </p:childTnLst>
+                          </p:cTn>
+                        </p:par>
+                      </p:childTnLst>
+                    </p:cTn>
+                  </p:par>
+                </p:childTnLst>
+              </p:cTn>
+              <p:prevCondLst>
+                <p:cond evt="onPrev" delay="0">
+                  <p:tgtEl>
+                    <p:sldTgt/>
+                  </p:tgtEl>
+                </p:cond>
+              </p:prevCondLst>
+              <p:nextCondLst>
+                <p:cond evt="onNext" delay="0">
+                  <p:tgtEl>
+                    <p:sldTgt/>
+                  </p:tgtEl>
+                </p:cond>
+              </p:nextCondLst>
+            </p:seq>
+          </p:childTnLst>
+        </p:cTn>
+      </p:par>
+    </p:tnLst>
+    <p:bldLst>
+      <p:bldP spid="3" grpId="0" build="p"/>
+      <p:bldP spid="8" grpId="0"/>
+    </p:bldLst>
+  </p:timing>
 </p:sld>
 </file>
 
@@ -6856,6 +7411,458 @@
   <p:clrMapOvr>
     <a:masterClrMapping/>
   </p:clrMapOvr>
+  <p:timing>
+    <p:tnLst>
+      <p:par>
+        <p:cTn id="1" dur="indefinite" restart="never" nodeType="tmRoot">
+          <p:childTnLst>
+            <p:seq concurrent="1" nextAc="seek">
+              <p:cTn id="2" dur="indefinite" nodeType="mainSeq">
+                <p:childTnLst>
+                  <p:par>
+                    <p:cTn id="3" fill="hold">
+                      <p:stCondLst>
+                        <p:cond delay="indefinite"/>
+                        <p:cond evt="onBegin" delay="0">
+                          <p:tn val="2"/>
+                        </p:cond>
+                      </p:stCondLst>
+                      <p:childTnLst>
+                        <p:par>
+                          <p:cTn id="4" fill="hold">
+                            <p:stCondLst>
+                              <p:cond delay="0"/>
+                            </p:stCondLst>
+                            <p:childTnLst>
+                              <p:par>
+                                <p:cTn id="5" presetID="31" presetClass="entr" presetSubtype="0" fill="hold" nodeType="withEffect">
+                                  <p:stCondLst>
+                                    <p:cond delay="0"/>
+                                  </p:stCondLst>
+                                  <p:childTnLst>
+                                    <p:set>
+                                      <p:cBhvr>
+                                        <p:cTn id="6" dur="1" fill="hold">
+                                          <p:stCondLst>
+                                            <p:cond delay="0"/>
+                                          </p:stCondLst>
+                                        </p:cTn>
+                                        <p:tgtEl>
+                                          <p:spTgt spid="6"/>
+                                        </p:tgtEl>
+                                        <p:attrNameLst>
+                                          <p:attrName>style.visibility</p:attrName>
+                                        </p:attrNameLst>
+                                      </p:cBhvr>
+                                      <p:to>
+                                        <p:strVal val="visible"/>
+                                      </p:to>
+                                    </p:set>
+                                    <p:anim calcmode="lin" valueType="num">
+                                      <p:cBhvr>
+                                        <p:cTn id="7" dur="1000" fill="hold"/>
+                                        <p:tgtEl>
+                                          <p:spTgt spid="6"/>
+                                        </p:tgtEl>
+                                        <p:attrNameLst>
+                                          <p:attrName>ppt_w</p:attrName>
+                                        </p:attrNameLst>
+                                      </p:cBhvr>
+                                      <p:tavLst>
+                                        <p:tav tm="0">
+                                          <p:val>
+                                            <p:fltVal val="0"/>
+                                          </p:val>
+                                        </p:tav>
+                                        <p:tav tm="100000">
+                                          <p:val>
+                                            <p:strVal val="#ppt_w"/>
+                                          </p:val>
+                                        </p:tav>
+                                      </p:tavLst>
+                                    </p:anim>
+                                    <p:anim calcmode="lin" valueType="num">
+                                      <p:cBhvr>
+                                        <p:cTn id="8" dur="1000" fill="hold"/>
+                                        <p:tgtEl>
+                                          <p:spTgt spid="6"/>
+                                        </p:tgtEl>
+                                        <p:attrNameLst>
+                                          <p:attrName>ppt_h</p:attrName>
+                                        </p:attrNameLst>
+                                      </p:cBhvr>
+                                      <p:tavLst>
+                                        <p:tav tm="0">
+                                          <p:val>
+                                            <p:fltVal val="0"/>
+                                          </p:val>
+                                        </p:tav>
+                                        <p:tav tm="100000">
+                                          <p:val>
+                                            <p:strVal val="#ppt_h"/>
+                                          </p:val>
+                                        </p:tav>
+                                      </p:tavLst>
+                                    </p:anim>
+                                    <p:anim calcmode="lin" valueType="num">
+                                      <p:cBhvr>
+                                        <p:cTn id="9" dur="1000" fill="hold"/>
+                                        <p:tgtEl>
+                                          <p:spTgt spid="6"/>
+                                        </p:tgtEl>
+                                        <p:attrNameLst>
+                                          <p:attrName>style.rotation</p:attrName>
+                                        </p:attrNameLst>
+                                      </p:cBhvr>
+                                      <p:tavLst>
+                                        <p:tav tm="0">
+                                          <p:val>
+                                            <p:fltVal val="90"/>
+                                          </p:val>
+                                        </p:tav>
+                                        <p:tav tm="100000">
+                                          <p:val>
+                                            <p:fltVal val="0"/>
+                                          </p:val>
+                                        </p:tav>
+                                      </p:tavLst>
+                                    </p:anim>
+                                    <p:animEffect transition="in" filter="fade">
+                                      <p:cBhvr>
+                                        <p:cTn id="10" dur="1000"/>
+                                        <p:tgtEl>
+                                          <p:spTgt spid="6"/>
+                                        </p:tgtEl>
+                                      </p:cBhvr>
+                                    </p:animEffect>
+                                  </p:childTnLst>
+                                </p:cTn>
+                              </p:par>
+                              <p:par>
+                                <p:cTn id="11" presetID="21" presetClass="entr" presetSubtype="1" fill="hold" grpId="0" nodeType="withEffect">
+                                  <p:stCondLst>
+                                    <p:cond delay="0"/>
+                                  </p:stCondLst>
+                                  <p:childTnLst>
+                                    <p:set>
+                                      <p:cBhvr>
+                                        <p:cTn id="12" dur="1" fill="hold">
+                                          <p:stCondLst>
+                                            <p:cond delay="0"/>
+                                          </p:stCondLst>
+                                        </p:cTn>
+                                        <p:tgtEl>
+                                          <p:spTgt spid="3">
+                                            <p:txEl>
+                                              <p:pRg st="0" end="0"/>
+                                            </p:txEl>
+                                          </p:spTgt>
+                                        </p:tgtEl>
+                                        <p:attrNameLst>
+                                          <p:attrName>style.visibility</p:attrName>
+                                        </p:attrNameLst>
+                                      </p:cBhvr>
+                                      <p:to>
+                                        <p:strVal val="visible"/>
+                                      </p:to>
+                                    </p:set>
+                                    <p:animEffect transition="in" filter="wheel(1)">
+                                      <p:cBhvr>
+                                        <p:cTn id="13" dur="1000"/>
+                                        <p:tgtEl>
+                                          <p:spTgt spid="3">
+                                            <p:txEl>
+                                              <p:pRg st="0" end="0"/>
+                                            </p:txEl>
+                                          </p:spTgt>
+                                        </p:tgtEl>
+                                      </p:cBhvr>
+                                    </p:animEffect>
+                                  </p:childTnLst>
+                                </p:cTn>
+                              </p:par>
+                              <p:par>
+                                <p:cTn id="14" presetID="21" presetClass="entr" presetSubtype="1" fill="hold" grpId="0" nodeType="withEffect">
+                                  <p:stCondLst>
+                                    <p:cond delay="0"/>
+                                  </p:stCondLst>
+                                  <p:childTnLst>
+                                    <p:set>
+                                      <p:cBhvr>
+                                        <p:cTn id="15" dur="1" fill="hold">
+                                          <p:stCondLst>
+                                            <p:cond delay="0"/>
+                                          </p:stCondLst>
+                                        </p:cTn>
+                                        <p:tgtEl>
+                                          <p:spTgt spid="3">
+                                            <p:txEl>
+                                              <p:pRg st="1" end="1"/>
+                                            </p:txEl>
+                                          </p:spTgt>
+                                        </p:tgtEl>
+                                        <p:attrNameLst>
+                                          <p:attrName>style.visibility</p:attrName>
+                                        </p:attrNameLst>
+                                      </p:cBhvr>
+                                      <p:to>
+                                        <p:strVal val="visible"/>
+                                      </p:to>
+                                    </p:set>
+                                    <p:animEffect transition="in" filter="wheel(1)">
+                                      <p:cBhvr>
+                                        <p:cTn id="16" dur="1000"/>
+                                        <p:tgtEl>
+                                          <p:spTgt spid="3">
+                                            <p:txEl>
+                                              <p:pRg st="1" end="1"/>
+                                            </p:txEl>
+                                          </p:spTgt>
+                                        </p:tgtEl>
+                                      </p:cBhvr>
+                                    </p:animEffect>
+                                  </p:childTnLst>
+                                </p:cTn>
+                              </p:par>
+                              <p:par>
+                                <p:cTn id="17" presetID="21" presetClass="entr" presetSubtype="1" fill="hold" grpId="0" nodeType="withEffect">
+                                  <p:stCondLst>
+                                    <p:cond delay="0"/>
+                                  </p:stCondLst>
+                                  <p:childTnLst>
+                                    <p:set>
+                                      <p:cBhvr>
+                                        <p:cTn id="18" dur="1" fill="hold">
+                                          <p:stCondLst>
+                                            <p:cond delay="0"/>
+                                          </p:stCondLst>
+                                        </p:cTn>
+                                        <p:tgtEl>
+                                          <p:spTgt spid="3">
+                                            <p:txEl>
+                                              <p:pRg st="2" end="2"/>
+                                            </p:txEl>
+                                          </p:spTgt>
+                                        </p:tgtEl>
+                                        <p:attrNameLst>
+                                          <p:attrName>style.visibility</p:attrName>
+                                        </p:attrNameLst>
+                                      </p:cBhvr>
+                                      <p:to>
+                                        <p:strVal val="visible"/>
+                                      </p:to>
+                                    </p:set>
+                                    <p:animEffect transition="in" filter="wheel(1)">
+                                      <p:cBhvr>
+                                        <p:cTn id="19" dur="1000"/>
+                                        <p:tgtEl>
+                                          <p:spTgt spid="3">
+                                            <p:txEl>
+                                              <p:pRg st="2" end="2"/>
+                                            </p:txEl>
+                                          </p:spTgt>
+                                        </p:tgtEl>
+                                      </p:cBhvr>
+                                    </p:animEffect>
+                                  </p:childTnLst>
+                                </p:cTn>
+                              </p:par>
+                              <p:par>
+                                <p:cTn id="20" presetID="21" presetClass="entr" presetSubtype="1" fill="hold" grpId="0" nodeType="withEffect">
+                                  <p:stCondLst>
+                                    <p:cond delay="0"/>
+                                  </p:stCondLst>
+                                  <p:childTnLst>
+                                    <p:set>
+                                      <p:cBhvr>
+                                        <p:cTn id="21" dur="1" fill="hold">
+                                          <p:stCondLst>
+                                            <p:cond delay="0"/>
+                                          </p:stCondLst>
+                                        </p:cTn>
+                                        <p:tgtEl>
+                                          <p:spTgt spid="3">
+                                            <p:txEl>
+                                              <p:pRg st="3" end="3"/>
+                                            </p:txEl>
+                                          </p:spTgt>
+                                        </p:tgtEl>
+                                        <p:attrNameLst>
+                                          <p:attrName>style.visibility</p:attrName>
+                                        </p:attrNameLst>
+                                      </p:cBhvr>
+                                      <p:to>
+                                        <p:strVal val="visible"/>
+                                      </p:to>
+                                    </p:set>
+                                    <p:animEffect transition="in" filter="wheel(1)">
+                                      <p:cBhvr>
+                                        <p:cTn id="22" dur="1000"/>
+                                        <p:tgtEl>
+                                          <p:spTgt spid="3">
+                                            <p:txEl>
+                                              <p:pRg st="3" end="3"/>
+                                            </p:txEl>
+                                          </p:spTgt>
+                                        </p:tgtEl>
+                                      </p:cBhvr>
+                                    </p:animEffect>
+                                  </p:childTnLst>
+                                </p:cTn>
+                              </p:par>
+                              <p:par>
+                                <p:cTn id="23" presetID="21" presetClass="entr" presetSubtype="1" fill="hold" grpId="0" nodeType="withEffect">
+                                  <p:stCondLst>
+                                    <p:cond delay="0"/>
+                                  </p:stCondLst>
+                                  <p:childTnLst>
+                                    <p:set>
+                                      <p:cBhvr>
+                                        <p:cTn id="24" dur="1" fill="hold">
+                                          <p:stCondLst>
+                                            <p:cond delay="0"/>
+                                          </p:stCondLst>
+                                        </p:cTn>
+                                        <p:tgtEl>
+                                          <p:spTgt spid="3">
+                                            <p:txEl>
+                                              <p:pRg st="4" end="4"/>
+                                            </p:txEl>
+                                          </p:spTgt>
+                                        </p:tgtEl>
+                                        <p:attrNameLst>
+                                          <p:attrName>style.visibility</p:attrName>
+                                        </p:attrNameLst>
+                                      </p:cBhvr>
+                                      <p:to>
+                                        <p:strVal val="visible"/>
+                                      </p:to>
+                                    </p:set>
+                                    <p:animEffect transition="in" filter="wheel(1)">
+                                      <p:cBhvr>
+                                        <p:cTn id="25" dur="1000"/>
+                                        <p:tgtEl>
+                                          <p:spTgt spid="3">
+                                            <p:txEl>
+                                              <p:pRg st="4" end="4"/>
+                                            </p:txEl>
+                                          </p:spTgt>
+                                        </p:tgtEl>
+                                      </p:cBhvr>
+                                    </p:animEffect>
+                                  </p:childTnLst>
+                                </p:cTn>
+                              </p:par>
+                              <p:par>
+                                <p:cTn id="26" presetID="21" presetClass="entr" presetSubtype="1" fill="hold" grpId="0" nodeType="withEffect">
+                                  <p:stCondLst>
+                                    <p:cond delay="0"/>
+                                  </p:stCondLst>
+                                  <p:childTnLst>
+                                    <p:set>
+                                      <p:cBhvr>
+                                        <p:cTn id="27" dur="1" fill="hold">
+                                          <p:stCondLst>
+                                            <p:cond delay="0"/>
+                                          </p:stCondLst>
+                                        </p:cTn>
+                                        <p:tgtEl>
+                                          <p:spTgt spid="3">
+                                            <p:txEl>
+                                              <p:pRg st="5" end="5"/>
+                                            </p:txEl>
+                                          </p:spTgt>
+                                        </p:tgtEl>
+                                        <p:attrNameLst>
+                                          <p:attrName>style.visibility</p:attrName>
+                                        </p:attrNameLst>
+                                      </p:cBhvr>
+                                      <p:to>
+                                        <p:strVal val="visible"/>
+                                      </p:to>
+                                    </p:set>
+                                    <p:animEffect transition="in" filter="wheel(1)">
+                                      <p:cBhvr>
+                                        <p:cTn id="28" dur="1000"/>
+                                        <p:tgtEl>
+                                          <p:spTgt spid="3">
+                                            <p:txEl>
+                                              <p:pRg st="5" end="5"/>
+                                            </p:txEl>
+                                          </p:spTgt>
+                                        </p:tgtEl>
+                                      </p:cBhvr>
+                                    </p:animEffect>
+                                  </p:childTnLst>
+                                </p:cTn>
+                              </p:par>
+                              <p:par>
+                                <p:cTn id="29" presetID="22" presetClass="entr" presetSubtype="4" fill="hold" grpId="0" nodeType="withEffect">
+                                  <p:stCondLst>
+                                    <p:cond delay="0"/>
+                                  </p:stCondLst>
+                                  <p:childTnLst>
+                                    <p:set>
+                                      <p:cBhvr>
+                                        <p:cTn id="30" dur="1" fill="hold">
+                                          <p:stCondLst>
+                                            <p:cond delay="0"/>
+                                          </p:stCondLst>
+                                        </p:cTn>
+                                        <p:tgtEl>
+                                          <p:spTgt spid="4"/>
+                                        </p:tgtEl>
+                                        <p:attrNameLst>
+                                          <p:attrName>style.visibility</p:attrName>
+                                        </p:attrNameLst>
+                                      </p:cBhvr>
+                                      <p:to>
+                                        <p:strVal val="visible"/>
+                                      </p:to>
+                                    </p:set>
+                                    <p:animEffect transition="in" filter="wipe(down)">
+                                      <p:cBhvr>
+                                        <p:cTn id="31" dur="1000"/>
+                                        <p:tgtEl>
+                                          <p:spTgt spid="4"/>
+                                        </p:tgtEl>
+                                      </p:cBhvr>
+                                    </p:animEffect>
+                                  </p:childTnLst>
+                                </p:cTn>
+                              </p:par>
+                            </p:childTnLst>
+                          </p:cTn>
+                        </p:par>
+                      </p:childTnLst>
+                    </p:cTn>
+                  </p:par>
+                </p:childTnLst>
+              </p:cTn>
+              <p:prevCondLst>
+                <p:cond evt="onPrev" delay="0">
+                  <p:tgtEl>
+                    <p:sldTgt/>
+                  </p:tgtEl>
+                </p:cond>
+              </p:prevCondLst>
+              <p:nextCondLst>
+                <p:cond evt="onNext" delay="0">
+                  <p:tgtEl>
+                    <p:sldTgt/>
+                  </p:tgtEl>
+                </p:cond>
+              </p:nextCondLst>
+            </p:seq>
+          </p:childTnLst>
+        </p:cTn>
+      </p:par>
+    </p:tnLst>
+    <p:bldLst>
+      <p:bldP spid="3" grpId="0" build="p"/>
+      <p:bldP spid="4" grpId="0"/>
+    </p:bldLst>
+  </p:timing>
 </p:sld>
 </file>
 
@@ -7211,6 +8218,18 @@
   <p:clrMapOvr>
     <a:masterClrMapping/>
   </p:clrMapOvr>
+  <mc:AlternateContent xmlns:mc="http://schemas.openxmlformats.org/markup-compatibility/2006">
+    <mc:Choice xmlns:p14="http://schemas.microsoft.com/office/powerpoint/2010/main" Requires="p14">
+      <p:transition spd="slow" p14:dur="2000">
+        <p14:prism isContent="1"/>
+      </p:transition>
+    </mc:Choice>
+    <mc:Fallback>
+      <p:transition spd="slow">
+        <p:fade/>
+      </p:transition>
+    </mc:Fallback>
+  </mc:AlternateContent>
 </p:sld>
 </file>
 
